--- a/Slides/Week2/Lecture5.pptx
+++ b/Slides/Week2/Lecture5.pptx
@@ -207,7 +207,7 @@
             <a:fld id="{9608008F-8C0F-4F63-86DC-E7B67385E4BD}" type="datetimeFigureOut">
               <a:rPr lang="en-US" smtClean="0"/>
               <a:pPr/>
-              <a:t>4/22/2012</a:t>
+              <a:t>3/16/2014</a:t>
             </a:fld>
             <a:endParaRPr lang="en-US"/>
           </a:p>
@@ -1156,7 +1156,7 @@
                 </a:solidFill>
               </a:rPr>
               <a:pPr/>
-              <a:t>4/22/2012</a:t>
+              <a:t>3/16/2014</a:t>
             </a:fld>
             <a:endParaRPr lang="en-US">
               <a:solidFill>
@@ -1365,7 +1365,7 @@
                 </a:solidFill>
               </a:rPr>
               <a:pPr/>
-              <a:t>4/22/2012</a:t>
+              <a:t>3/16/2014</a:t>
             </a:fld>
             <a:endParaRPr lang="en-US">
               <a:solidFill>
@@ -1577,7 +1577,7 @@
                 </a:solidFill>
               </a:rPr>
               <a:pPr/>
-              <a:t>4/22/2012</a:t>
+              <a:t>3/16/2014</a:t>
             </a:fld>
             <a:endParaRPr lang="en-US">
               <a:solidFill>
@@ -1888,7 +1888,7 @@
                 </a:solidFill>
               </a:rPr>
               <a:pPr/>
-              <a:t>4/22/2012</a:t>
+              <a:t>3/16/2014</a:t>
             </a:fld>
             <a:endParaRPr lang="en-US">
               <a:solidFill>
@@ -2210,7 +2210,7 @@
                 </a:solidFill>
               </a:rPr>
               <a:pPr/>
-              <a:t>4/22/2012</a:t>
+              <a:t>3/16/2014</a:t>
             </a:fld>
             <a:endParaRPr lang="en-US">
               <a:solidFill>
@@ -2530,7 +2530,7 @@
                 </a:solidFill>
               </a:rPr>
               <a:pPr/>
-              <a:t>4/22/2012</a:t>
+              <a:t>3/16/2014</a:t>
             </a:fld>
             <a:endParaRPr lang="en-US">
               <a:solidFill>
@@ -2991,7 +2991,7 @@
                 </a:solidFill>
               </a:rPr>
               <a:pPr/>
-              <a:t>4/22/2012</a:t>
+              <a:t>3/16/2014</a:t>
             </a:fld>
             <a:endParaRPr lang="en-US">
               <a:solidFill>
@@ -3141,7 +3141,7 @@
                 </a:solidFill>
               </a:rPr>
               <a:pPr/>
-              <a:t>4/22/2012</a:t>
+              <a:t>3/16/2014</a:t>
             </a:fld>
             <a:endParaRPr lang="en-US">
               <a:solidFill>
@@ -3268,7 +3268,7 @@
                 </a:solidFill>
               </a:rPr>
               <a:pPr/>
-              <a:t>4/22/2012</a:t>
+              <a:t>3/16/2014</a:t>
             </a:fld>
             <a:endParaRPr lang="en-US">
               <a:solidFill>
@@ -3470,7 +3470,7 @@
                 </a:solidFill>
               </a:rPr>
               <a:pPr/>
-              <a:t>4/22/2012</a:t>
+              <a:t>3/16/2014</a:t>
             </a:fld>
             <a:endParaRPr lang="en-US">
               <a:solidFill>
@@ -3786,7 +3786,7 @@
                 </a:solidFill>
               </a:rPr>
               <a:pPr/>
-              <a:t>4/22/2012</a:t>
+              <a:t>3/16/2014</a:t>
             </a:fld>
             <a:endParaRPr lang="en-US">
               <a:solidFill>
@@ -4071,7 +4071,7 @@
                 </a:solidFill>
               </a:rPr>
               <a:pPr/>
-              <a:t>4/22/2012</a:t>
+              <a:t>3/16/2014</a:t>
             </a:fld>
             <a:endParaRPr lang="en-US">
               <a:solidFill>
@@ -4273,7 +4273,7 @@
                 </a:solidFill>
               </a:rPr>
               <a:pPr/>
-              <a:t>4/22/2012</a:t>
+              <a:t>3/16/2014</a:t>
             </a:fld>
             <a:endParaRPr lang="en-US">
               <a:solidFill>
@@ -4485,7 +4485,7 @@
                 </a:solidFill>
               </a:rPr>
               <a:pPr/>
-              <a:t>4/22/2012</a:t>
+              <a:t>3/16/2014</a:t>
             </a:fld>
             <a:endParaRPr lang="en-US">
               <a:solidFill>
@@ -4765,7 +4765,7 @@
                 </a:solidFill>
               </a:rPr>
               <a:pPr/>
-              <a:t>4/22/2012</a:t>
+              <a:t>3/16/2014</a:t>
             </a:fld>
             <a:endParaRPr lang="en-US">
               <a:solidFill>
@@ -5093,7 +5093,7 @@
                 </a:solidFill>
               </a:rPr>
               <a:pPr/>
-              <a:t>4/22/2012</a:t>
+              <a:t>3/16/2014</a:t>
             </a:fld>
             <a:endParaRPr lang="en-US">
               <a:solidFill>
@@ -5427,7 +5427,7 @@
                 </a:solidFill>
               </a:rPr>
               <a:pPr/>
-              <a:t>4/22/2012</a:t>
+              <a:t>3/16/2014</a:t>
             </a:fld>
             <a:endParaRPr lang="en-US">
               <a:solidFill>
@@ -5908,7 +5908,7 @@
                 </a:solidFill>
               </a:rPr>
               <a:pPr/>
-              <a:t>4/22/2012</a:t>
+              <a:t>3/16/2014</a:t>
             </a:fld>
             <a:endParaRPr lang="en-US">
               <a:solidFill>
@@ -6066,7 +6066,7 @@
                 </a:solidFill>
               </a:rPr>
               <a:pPr/>
-              <a:t>4/22/2012</a:t>
+              <a:t>3/16/2014</a:t>
             </a:fld>
             <a:endParaRPr lang="en-US">
               <a:solidFill>
@@ -6344,7 +6344,7 @@
                 </a:solidFill>
               </a:rPr>
               <a:pPr/>
-              <a:t>4/22/2012</a:t>
+              <a:t>3/16/2014</a:t>
             </a:fld>
             <a:endParaRPr lang="en-US">
               <a:solidFill>
@@ -6471,7 +6471,7 @@
                 </a:solidFill>
               </a:rPr>
               <a:pPr/>
-              <a:t>4/22/2012</a:t>
+              <a:t>3/16/2014</a:t>
             </a:fld>
             <a:endParaRPr lang="en-US">
               <a:solidFill>
@@ -6789,7 +6789,7 @@
                 </a:solidFill>
               </a:rPr>
               <a:pPr/>
-              <a:t>4/22/2012</a:t>
+              <a:t>3/16/2014</a:t>
             </a:fld>
             <a:endParaRPr lang="en-US">
               <a:solidFill>
@@ -7083,7 +7083,7 @@
                 </a:solidFill>
               </a:rPr>
               <a:pPr/>
-              <a:t>4/22/2012</a:t>
+              <a:t>3/16/2014</a:t>
             </a:fld>
             <a:endParaRPr lang="en-US">
               <a:solidFill>
@@ -7301,7 +7301,7 @@
                 </a:solidFill>
               </a:rPr>
               <a:pPr/>
-              <a:t>4/22/2012</a:t>
+              <a:t>3/16/2014</a:t>
             </a:fld>
             <a:endParaRPr lang="en-US">
               <a:solidFill>
@@ -7519,7 +7519,7 @@
                 </a:solidFill>
               </a:rPr>
               <a:pPr/>
-              <a:t>4/22/2012</a:t>
+              <a:t>3/16/2014</a:t>
             </a:fld>
             <a:endParaRPr lang="en-US">
               <a:solidFill>
@@ -7737,7 +7737,7 @@
                 </a:solidFill>
               </a:rPr>
               <a:pPr/>
-              <a:t>4/22/2012</a:t>
+              <a:t>3/16/2014</a:t>
             </a:fld>
             <a:endParaRPr lang="en-US">
               <a:solidFill>
@@ -8057,7 +8057,7 @@
                 </a:solidFill>
               </a:rPr>
               <a:pPr/>
-              <a:t>4/22/2012</a:t>
+              <a:t>3/16/2014</a:t>
             </a:fld>
             <a:endParaRPr lang="en-US">
               <a:solidFill>
@@ -8511,7 +8511,7 @@
                 </a:solidFill>
               </a:rPr>
               <a:pPr/>
-              <a:t>4/22/2012</a:t>
+              <a:t>3/16/2014</a:t>
             </a:fld>
             <a:endParaRPr lang="en-US">
               <a:solidFill>
@@ -8661,7 +8661,7 @@
                 </a:solidFill>
               </a:rPr>
               <a:pPr/>
-              <a:t>4/22/2012</a:t>
+              <a:t>3/16/2014</a:t>
             </a:fld>
             <a:endParaRPr lang="en-US">
               <a:solidFill>
@@ -8788,7 +8788,7 @@
                 </a:solidFill>
               </a:rPr>
               <a:pPr/>
-              <a:t>4/22/2012</a:t>
+              <a:t>3/16/2014</a:t>
             </a:fld>
             <a:endParaRPr lang="en-US">
               <a:solidFill>
@@ -9097,7 +9097,7 @@
                 </a:solidFill>
               </a:rPr>
               <a:pPr/>
-              <a:t>4/22/2012</a:t>
+              <a:t>3/16/2014</a:t>
             </a:fld>
             <a:endParaRPr lang="en-US">
               <a:solidFill>
@@ -9386,7 +9386,7 @@
                 </a:solidFill>
               </a:rPr>
               <a:pPr/>
-              <a:t>4/22/2012</a:t>
+              <a:t>3/16/2014</a:t>
             </a:fld>
             <a:endParaRPr lang="en-US">
               <a:solidFill>
@@ -9631,7 +9631,7 @@
                 </a:solidFill>
               </a:rPr>
               <a:pPr/>
-              <a:t>4/22/2012</a:t>
+              <a:t>3/16/2014</a:t>
             </a:fld>
             <a:endParaRPr lang="en-US">
               <a:solidFill>
@@ -10181,7 +10181,7 @@
                 </a:solidFill>
               </a:rPr>
               <a:pPr/>
-              <a:t>4/22/2012</a:t>
+              <a:t>3/16/2014</a:t>
             </a:fld>
             <a:endParaRPr lang="en-US">
               <a:solidFill>
@@ -10847,7 +10847,7 @@
                 </a:solidFill>
               </a:rPr>
               <a:pPr/>
-              <a:t>4/22/2012</a:t>
+              <a:t>3/16/2014</a:t>
             </a:fld>
             <a:endParaRPr lang="en-US">
               <a:solidFill>
